--- a/slides/7. Meta-Learning.pptx
+++ b/slides/7. Meta-Learning.pptx
@@ -6,7 +6,7 @@
     <p:sldMasterId id="2147483679" r:id="rId2"/>
   </p:sldMasterIdLst>
   <p:notesMasterIdLst>
-    <p:notesMasterId r:id="rId22"/>
+    <p:notesMasterId r:id="rId23"/>
   </p:notesMasterIdLst>
   <p:sldIdLst>
     <p:sldId id="1806" r:id="rId3"/>
@@ -28,6 +28,7 @@
     <p:sldId id="1846" r:id="rId19"/>
     <p:sldId id="1848" r:id="rId20"/>
     <p:sldId id="1844" r:id="rId21"/>
+    <p:sldId id="1849" r:id="rId22"/>
   </p:sldIdLst>
   <p:sldSz cx="12192000" cy="6858000"/>
   <p:notesSz cx="6858000" cy="9144000"/>
@@ -216,7 +217,7 @@
           <a:p>
             <a:fld id="{520A6901-6285-4D39-AB6F-BDF9A56BC59F}" type="datetimeFigureOut">
               <a:rPr lang="en-US" smtClean="0"/>
-              <a:t>11/9/2022</a:t>
+              <a:t>11/12/2022</a:t>
             </a:fld>
             <a:endParaRPr lang="en-US"/>
           </a:p>
@@ -3148,7 +3149,7 @@
           <a:p>
             <a:fld id="{0C70A6D8-89B8-49B0-8903-7EF273AB9F75}" type="datetime1">
               <a:rPr lang="en-US" smtClean="0"/>
-              <a:t>11/9/2022</a:t>
+              <a:t>11/12/2022</a:t>
             </a:fld>
             <a:endParaRPr lang="en-US"/>
           </a:p>
@@ -3438,7 +3439,7 @@
           <a:p>
             <a:fld id="{0C70A6D8-89B8-49B0-8903-7EF273AB9F75}" type="datetime1">
               <a:rPr lang="en-US" smtClean="0"/>
-              <a:t>11/9/2022</a:t>
+              <a:t>11/12/2022</a:t>
             </a:fld>
             <a:endParaRPr lang="en-US"/>
           </a:p>
@@ -3728,7 +3729,7 @@
           <a:p>
             <a:fld id="{0C70A6D8-89B8-49B0-8903-7EF273AB9F75}" type="datetime1">
               <a:rPr lang="en-US" smtClean="0"/>
-              <a:t>11/9/2022</a:t>
+              <a:t>11/12/2022</a:t>
             </a:fld>
             <a:endParaRPr lang="en-US"/>
           </a:p>
@@ -4018,7 +4019,7 @@
           <a:p>
             <a:fld id="{0C70A6D8-89B8-49B0-8903-7EF273AB9F75}" type="datetime1">
               <a:rPr lang="en-US" smtClean="0"/>
-              <a:t>11/9/2022</a:t>
+              <a:t>11/12/2022</a:t>
             </a:fld>
             <a:endParaRPr lang="en-US"/>
           </a:p>
@@ -4256,7 +4257,7 @@
           <a:p>
             <a:fld id="{0C70A6D8-89B8-49B0-8903-7EF273AB9F75}" type="datetime1">
               <a:rPr lang="en-US" smtClean="0"/>
-              <a:t>11/9/2022</a:t>
+              <a:t>11/12/2022</a:t>
             </a:fld>
             <a:endParaRPr lang="en-US"/>
           </a:p>
@@ -4715,7 +4716,7 @@
           <a:p>
             <a:fld id="{0C70A6D8-89B8-49B0-8903-7EF273AB9F75}" type="datetime1">
               <a:rPr lang="en-US" smtClean="0"/>
-              <a:t>11/9/2022</a:t>
+              <a:t>11/12/2022</a:t>
             </a:fld>
             <a:endParaRPr lang="en-US"/>
           </a:p>
@@ -4907,7 +4908,7 @@
           <a:p>
             <a:fld id="{0C70A6D8-89B8-49B0-8903-7EF273AB9F75}" type="datetime1">
               <a:rPr lang="en-US" smtClean="0"/>
-              <a:t>11/9/2022</a:t>
+              <a:t>11/12/2022</a:t>
             </a:fld>
             <a:endParaRPr lang="en-US"/>
           </a:p>
@@ -8389,7 +8390,7 @@
           <a:p>
             <a:fld id="{D9056D4C-34C4-4B6E-9840-2166E4C8C89A}" type="datetimeFigureOut">
               <a:rPr lang="en-US" smtClean="0"/>
-              <a:t>11/9/2022</a:t>
+              <a:t>11/12/2022</a:t>
             </a:fld>
             <a:endParaRPr lang="en-US"/>
           </a:p>
@@ -8639,7 +8640,7 @@
           <a:p>
             <a:fld id="{D9056D4C-34C4-4B6E-9840-2166E4C8C89A}" type="datetimeFigureOut">
               <a:rPr lang="en-US" smtClean="0"/>
-              <a:t>11/9/2022</a:t>
+              <a:t>11/12/2022</a:t>
             </a:fld>
             <a:endParaRPr lang="en-US"/>
           </a:p>
@@ -9025,7 +9026,7 @@
           <a:p>
             <a:fld id="{D9056D4C-34C4-4B6E-9840-2166E4C8C89A}" type="datetimeFigureOut">
               <a:rPr lang="en-US" smtClean="0"/>
-              <a:t>11/9/2022</a:t>
+              <a:t>11/12/2022</a:t>
             </a:fld>
             <a:endParaRPr lang="en-US"/>
           </a:p>
@@ -10198,7 +10199,7 @@
           <a:p>
             <a:fld id="{D9056D4C-34C4-4B6E-9840-2166E4C8C89A}" type="datetimeFigureOut">
               <a:rPr lang="en-US" smtClean="0"/>
-              <a:t>11/9/2022</a:t>
+              <a:t>11/12/2022</a:t>
             </a:fld>
             <a:endParaRPr lang="en-US"/>
           </a:p>
@@ -10487,7 +10488,7 @@
           <a:p>
             <a:fld id="{D9056D4C-34C4-4B6E-9840-2166E4C8C89A}" type="datetimeFigureOut">
               <a:rPr lang="en-US" smtClean="0"/>
-              <a:t>11/9/2022</a:t>
+              <a:t>11/12/2022</a:t>
             </a:fld>
             <a:endParaRPr lang="en-US"/>
           </a:p>
@@ -10776,7 +10777,7 @@
           <a:p>
             <a:fld id="{D9056D4C-34C4-4B6E-9840-2166E4C8C89A}" type="datetimeFigureOut">
               <a:rPr lang="en-US" smtClean="0"/>
-              <a:t>11/9/2022</a:t>
+              <a:t>11/12/2022</a:t>
             </a:fld>
             <a:endParaRPr lang="en-US"/>
           </a:p>
@@ -11684,7 +11685,7 @@
           <a:p>
             <a:fld id="{D9056D4C-34C4-4B6E-9840-2166E4C8C89A}" type="datetimeFigureOut">
               <a:rPr lang="en-US" smtClean="0"/>
-              <a:t>11/9/2022</a:t>
+              <a:t>11/12/2022</a:t>
             </a:fld>
             <a:endParaRPr lang="en-US"/>
           </a:p>
@@ -11916,7 +11917,7 @@
           <a:p>
             <a:fld id="{D9056D4C-34C4-4B6E-9840-2166E4C8C89A}" type="datetimeFigureOut">
               <a:rPr lang="en-US" smtClean="0"/>
-              <a:t>11/9/2022</a:t>
+              <a:t>11/12/2022</a:t>
             </a:fld>
             <a:endParaRPr lang="en-US"/>
           </a:p>
@@ -12373,7 +12374,7 @@
           <a:p>
             <a:fld id="{D9056D4C-34C4-4B6E-9840-2166E4C8C89A}" type="datetimeFigureOut">
               <a:rPr lang="en-US" smtClean="0"/>
-              <a:t>11/9/2022</a:t>
+              <a:t>11/12/2022</a:t>
             </a:fld>
             <a:endParaRPr lang="en-US"/>
           </a:p>
@@ -12564,7 +12565,7 @@
           <a:p>
             <a:fld id="{D9056D4C-34C4-4B6E-9840-2166E4C8C89A}" type="datetimeFigureOut">
               <a:rPr lang="en-US" smtClean="0"/>
-              <a:t>11/9/2022</a:t>
+              <a:t>11/12/2022</a:t>
             </a:fld>
             <a:endParaRPr lang="en-US"/>
           </a:p>
@@ -12839,7 +12840,7 @@
           <a:p>
             <a:fld id="{D9056D4C-34C4-4B6E-9840-2166E4C8C89A}" type="datetimeFigureOut">
               <a:rPr lang="en-US" smtClean="0"/>
-              <a:t>11/9/2022</a:t>
+              <a:t>11/12/2022</a:t>
             </a:fld>
             <a:endParaRPr lang="en-US"/>
           </a:p>
@@ -14105,7 +14106,7 @@
           <a:p>
             <a:fld id="{0C70A6D8-89B8-49B0-8903-7EF273AB9F75}" type="datetime1">
               <a:rPr lang="en-US" smtClean="0"/>
-              <a:t>11/9/2022</a:t>
+              <a:t>11/12/2022</a:t>
             </a:fld>
             <a:endParaRPr lang="en-US"/>
           </a:p>
@@ -14356,7 +14357,7 @@
           <a:p>
             <a:fld id="{0C70A6D8-89B8-49B0-8903-7EF273AB9F75}" type="datetime1">
               <a:rPr lang="en-US" smtClean="0"/>
-              <a:t>11/9/2022</a:t>
+              <a:t>11/12/2022</a:t>
             </a:fld>
             <a:endParaRPr lang="en-US"/>
           </a:p>
@@ -14743,7 +14744,7 @@
           <a:p>
             <a:fld id="{0C70A6D8-89B8-49B0-8903-7EF273AB9F75}" type="datetime1">
               <a:rPr lang="en-US" smtClean="0"/>
-              <a:t>11/9/2022</a:t>
+              <a:t>11/12/2022</a:t>
             </a:fld>
             <a:endParaRPr lang="en-US"/>
           </a:p>
@@ -15004,7 +15005,7 @@
           <a:p>
             <a:fld id="{0C70A6D8-89B8-49B0-8903-7EF273AB9F75}" type="datetime1">
               <a:rPr lang="en-US" smtClean="0"/>
-              <a:t>11/9/2022</a:t>
+              <a:t>11/12/2022</a:t>
             </a:fld>
             <a:endParaRPr lang="en-US"/>
           </a:p>
@@ -17151,7 +17152,7 @@
           <a:p>
             <a:fld id="{D9056D4C-34C4-4B6E-9840-2166E4C8C89A}" type="datetimeFigureOut">
               <a:rPr lang="en-US" smtClean="0"/>
-              <a:t>11/9/2022</a:t>
+              <a:t>11/12/2022</a:t>
             </a:fld>
             <a:endParaRPr lang="en-US"/>
           </a:p>
@@ -23564,7 +23565,7 @@
           <a:p>
             <a:r>
               <a:rPr lang="en-US" dirty="0"/>
-              <a:t>Check Challenges </a:t>
+              <a:t>Recommended Readings</a:t>
             </a:r>
           </a:p>
         </p:txBody>
@@ -23585,10 +23586,315 @@
             <p:ph idx="1"/>
           </p:nvPr>
         </p:nvSpPr>
-        <p:spPr/>
+        <p:spPr>
+          <a:xfrm>
+            <a:off x="478369" y="1213308"/>
+            <a:ext cx="11473384" cy="3203185"/>
+          </a:xfrm>
+        </p:spPr>
         <p:txBody>
           <a:bodyPr/>
           <a:lstStyle/>
+          <a:p>
+            <a:pPr marL="342900" indent="-342900" algn="l">
+              <a:lnSpc>
+                <a:spcPct val="150000"/>
+              </a:lnSpc>
+              <a:buFont typeface="Arial" panose="020B0604020202020204" pitchFamily="34" charset="0"/>
+              <a:buChar char="•"/>
+            </a:pPr>
+            <a:r>
+              <a:rPr lang="en-US" b="0" i="0" u="none" strike="noStrike" dirty="0">
+                <a:solidFill>
+                  <a:srgbClr val="1D1C1D"/>
+                </a:solidFill>
+                <a:effectLst/>
+                <a:latin typeface="Slack-Lato"/>
+                <a:hlinkClick r:id="rId2"/>
+              </a:rPr>
+              <a:t>@juergen</a:t>
+            </a:r>
+            <a:r>
+              <a:rPr lang="en-US" b="0" i="0" dirty="0">
+                <a:solidFill>
+                  <a:srgbClr val="1D1C1D"/>
+                </a:solidFill>
+                <a:effectLst/>
+                <a:latin typeface="Slack-Lato"/>
+              </a:rPr>
+              <a:t> -&gt; Finn, Chelsea, et al. "</a:t>
+            </a:r>
+            <a:r>
+              <a:rPr lang="en-US" b="1" i="0" dirty="0">
+                <a:solidFill>
+                  <a:srgbClr val="1D1C1D"/>
+                </a:solidFill>
+                <a:effectLst/>
+                <a:latin typeface="Slack-Lato"/>
+              </a:rPr>
+              <a:t>Online meta-learning.</a:t>
+            </a:r>
+            <a:r>
+              <a:rPr lang="en-US" b="0" i="0" dirty="0">
+                <a:solidFill>
+                  <a:srgbClr val="1D1C1D"/>
+                </a:solidFill>
+                <a:effectLst/>
+                <a:latin typeface="Slack-Lato"/>
+              </a:rPr>
+              <a:t>" </a:t>
+            </a:r>
+            <a:r>
+              <a:rPr lang="en-US" b="0" i="1" dirty="0">
+                <a:solidFill>
+                  <a:srgbClr val="1D1C1D"/>
+                </a:solidFill>
+                <a:effectLst/>
+                <a:latin typeface="Slack-Lato"/>
+              </a:rPr>
+              <a:t>International Conference on Machine Learning</a:t>
+            </a:r>
+            <a:r>
+              <a:rPr lang="en-US" b="0" i="0" dirty="0">
+                <a:solidFill>
+                  <a:srgbClr val="1D1C1D"/>
+                </a:solidFill>
+                <a:effectLst/>
+                <a:latin typeface="Slack-Lato"/>
+              </a:rPr>
+              <a:t>. PMLR, 2019.</a:t>
+            </a:r>
+          </a:p>
+          <a:p>
+            <a:pPr marL="342900" indent="-342900" algn="l">
+              <a:lnSpc>
+                <a:spcPct val="150000"/>
+              </a:lnSpc>
+              <a:buFont typeface="Arial" panose="020B0604020202020204" pitchFamily="34" charset="0"/>
+              <a:buChar char="•"/>
+            </a:pPr>
+            <a:r>
+              <a:rPr lang="en-US" b="0" i="0" u="none" strike="noStrike" dirty="0">
+                <a:solidFill>
+                  <a:srgbClr val="1D1C1D"/>
+                </a:solidFill>
+                <a:effectLst/>
+                <a:latin typeface="Slack-Lato"/>
+                <a:hlinkClick r:id="rId3"/>
+              </a:rPr>
+              <a:t>@Finn Kaiser</a:t>
+            </a:r>
+            <a:r>
+              <a:rPr lang="en-US" b="0" i="0" dirty="0">
+                <a:solidFill>
+                  <a:srgbClr val="1D1C1D"/>
+                </a:solidFill>
+                <a:effectLst/>
+                <a:latin typeface="Slack-Lato"/>
+              </a:rPr>
+              <a:t> -&gt; Antoniou, </a:t>
+            </a:r>
+            <a:r>
+              <a:rPr lang="en-US" b="0" i="0" dirty="0" err="1">
+                <a:solidFill>
+                  <a:srgbClr val="1D1C1D"/>
+                </a:solidFill>
+                <a:effectLst/>
+                <a:latin typeface="Slack-Lato"/>
+              </a:rPr>
+              <a:t>Antreas</a:t>
+            </a:r>
+            <a:r>
+              <a:rPr lang="en-US" b="0" i="0" dirty="0">
+                <a:solidFill>
+                  <a:srgbClr val="1D1C1D"/>
+                </a:solidFill>
+                <a:effectLst/>
+                <a:latin typeface="Slack-Lato"/>
+              </a:rPr>
+              <a:t>, Harrison Edwards, and Amos </a:t>
+            </a:r>
+            <a:r>
+              <a:rPr lang="en-US" b="0" i="0" dirty="0" err="1">
+                <a:solidFill>
+                  <a:srgbClr val="1D1C1D"/>
+                </a:solidFill>
+                <a:effectLst/>
+                <a:latin typeface="Slack-Lato"/>
+              </a:rPr>
+              <a:t>Storkey</a:t>
+            </a:r>
+            <a:r>
+              <a:rPr lang="en-US" b="0" i="0" dirty="0">
+                <a:solidFill>
+                  <a:srgbClr val="1D1C1D"/>
+                </a:solidFill>
+                <a:effectLst/>
+                <a:latin typeface="Slack-Lato"/>
+              </a:rPr>
+              <a:t>. "</a:t>
+            </a:r>
+            <a:r>
+              <a:rPr lang="en-US" b="1" i="0" dirty="0">
+                <a:solidFill>
+                  <a:srgbClr val="1D1C1D"/>
+                </a:solidFill>
+                <a:effectLst/>
+                <a:latin typeface="Slack-Lato"/>
+              </a:rPr>
+              <a:t>How to train your MAML</a:t>
+            </a:r>
+            <a:r>
+              <a:rPr lang="en-US" b="0" i="0" dirty="0">
+                <a:solidFill>
+                  <a:srgbClr val="1D1C1D"/>
+                </a:solidFill>
+                <a:effectLst/>
+                <a:latin typeface="Slack-Lato"/>
+              </a:rPr>
+              <a:t>." </a:t>
+            </a:r>
+            <a:r>
+              <a:rPr lang="en-US" b="0" i="1" dirty="0" err="1">
+                <a:solidFill>
+                  <a:srgbClr val="1D1C1D"/>
+                </a:solidFill>
+                <a:effectLst/>
+                <a:latin typeface="Slack-Lato"/>
+              </a:rPr>
+              <a:t>arXiv</a:t>
+            </a:r>
+            <a:r>
+              <a:rPr lang="en-US" b="0" i="1" dirty="0">
+                <a:solidFill>
+                  <a:srgbClr val="1D1C1D"/>
+                </a:solidFill>
+                <a:effectLst/>
+                <a:latin typeface="Slack-Lato"/>
+              </a:rPr>
+              <a:t> preprint arXiv:1810.09502</a:t>
+            </a:r>
+            <a:r>
+              <a:rPr lang="en-US" b="0" i="0" dirty="0">
+                <a:solidFill>
+                  <a:srgbClr val="1D1C1D"/>
+                </a:solidFill>
+                <a:effectLst/>
+                <a:latin typeface="Slack-Lato"/>
+              </a:rPr>
+              <a:t> (2018).</a:t>
+            </a:r>
+          </a:p>
+          <a:p>
+            <a:pPr marL="342900" indent="-342900" algn="l">
+              <a:lnSpc>
+                <a:spcPct val="150000"/>
+              </a:lnSpc>
+              <a:buFont typeface="Arial" panose="020B0604020202020204" pitchFamily="34" charset="0"/>
+              <a:buChar char="•"/>
+            </a:pPr>
+            <a:r>
+              <a:rPr lang="en-US" b="0" i="0" u="none" strike="noStrike" dirty="0">
+                <a:solidFill>
+                  <a:srgbClr val="1D1C1D"/>
+                </a:solidFill>
+                <a:effectLst/>
+                <a:latin typeface="Slack-Lato"/>
+                <a:hlinkClick r:id="rId4"/>
+              </a:rPr>
+              <a:t>@Maximilian Goetz</a:t>
+            </a:r>
+            <a:r>
+              <a:rPr lang="en-US" b="0" i="0" dirty="0">
+                <a:solidFill>
+                  <a:srgbClr val="1D1C1D"/>
+                </a:solidFill>
+                <a:effectLst/>
+                <a:latin typeface="Slack-Lato"/>
+              </a:rPr>
+              <a:t> Raghu, </a:t>
+            </a:r>
+            <a:r>
+              <a:rPr lang="en-US" b="0" i="0" dirty="0" err="1">
+                <a:solidFill>
+                  <a:srgbClr val="1D1C1D"/>
+                </a:solidFill>
+                <a:effectLst/>
+                <a:latin typeface="Slack-Lato"/>
+              </a:rPr>
+              <a:t>Aniruddh</a:t>
+            </a:r>
+            <a:r>
+              <a:rPr lang="en-US" b="0" i="0" dirty="0">
+                <a:solidFill>
+                  <a:srgbClr val="1D1C1D"/>
+                </a:solidFill>
+                <a:effectLst/>
+                <a:latin typeface="Slack-Lato"/>
+              </a:rPr>
+              <a:t>, et al. "</a:t>
+            </a:r>
+            <a:r>
+              <a:rPr lang="en-US" b="1" i="0" dirty="0">
+                <a:solidFill>
+                  <a:srgbClr val="1D1C1D"/>
+                </a:solidFill>
+                <a:effectLst/>
+                <a:latin typeface="Slack-Lato"/>
+              </a:rPr>
+              <a:t>Rapid learning or feature reuse? towards understanding the effectiveness of </a:t>
+            </a:r>
+            <a:r>
+              <a:rPr lang="en-US" b="1" i="0" dirty="0" err="1">
+                <a:solidFill>
+                  <a:srgbClr val="1D1C1D"/>
+                </a:solidFill>
+                <a:effectLst/>
+                <a:latin typeface="Slack-Lato"/>
+              </a:rPr>
+              <a:t>maml</a:t>
+            </a:r>
+            <a:r>
+              <a:rPr lang="en-US" b="0" i="0" dirty="0">
+                <a:solidFill>
+                  <a:srgbClr val="1D1C1D"/>
+                </a:solidFill>
+                <a:effectLst/>
+                <a:latin typeface="Slack-Lato"/>
+              </a:rPr>
+              <a:t>." </a:t>
+            </a:r>
+            <a:r>
+              <a:rPr lang="en-US" b="0" i="1" dirty="0" err="1">
+                <a:solidFill>
+                  <a:srgbClr val="1D1C1D"/>
+                </a:solidFill>
+                <a:effectLst/>
+                <a:latin typeface="Slack-Lato"/>
+              </a:rPr>
+              <a:t>arXiv</a:t>
+            </a:r>
+            <a:r>
+              <a:rPr lang="en-US" b="0" i="1" dirty="0">
+                <a:solidFill>
+                  <a:srgbClr val="1D1C1D"/>
+                </a:solidFill>
+                <a:effectLst/>
+                <a:latin typeface="Slack-Lato"/>
+              </a:rPr>
+              <a:t> preprint arXiv:1909.09157</a:t>
+            </a:r>
+            <a:r>
+              <a:rPr lang="en-US" b="0" i="0" dirty="0">
+                <a:solidFill>
+                  <a:srgbClr val="1D1C1D"/>
+                </a:solidFill>
+                <a:effectLst/>
+                <a:latin typeface="Slack-Lato"/>
+              </a:rPr>
+              <a:t> (2019).</a:t>
+            </a:r>
+          </a:p>
           <a:p>
             <a:endParaRPr lang="en-US" dirty="0"/>
           </a:p>
@@ -23620,42 +23926,6 @@
               <a:t>18</a:t>
             </a:fld>
             <a:endParaRPr lang="en-US"/>
-          </a:p>
-        </p:txBody>
-      </p:sp>
-      <p:sp>
-        <p:nvSpPr>
-          <p:cNvPr id="6" name="TextBox 5">
-            <a:extLst>
-              <a:ext uri="{FF2B5EF4-FFF2-40B4-BE49-F238E27FC236}">
-                <a16:creationId xmlns:a16="http://schemas.microsoft.com/office/drawing/2014/main" id="{00BA1CBC-EBAB-3D31-823A-BCA4B722AA34}"/>
-              </a:ext>
-            </a:extLst>
-          </p:cNvPr>
-          <p:cNvSpPr txBox="1"/>
-          <p:nvPr/>
-        </p:nvSpPr>
-        <p:spPr bwMode="gray">
-          <a:xfrm>
-            <a:off x="0" y="6344667"/>
-            <a:ext cx="6248400" cy="369332"/>
-          </a:xfrm>
-          <a:prstGeom prst="rect">
-            <a:avLst/>
-          </a:prstGeom>
-          <a:noFill/>
-        </p:spPr>
-        <p:txBody>
-          <a:bodyPr wrap="square">
-            <a:spAutoFit/>
-          </a:bodyPr>
-          <a:lstStyle/>
-          <a:p>
-            <a:r>
-              <a:rPr lang="en-US" sz="1800" dirty="0"/>
-              <a:t>Meta-learning in neural networks: A survey.</a:t>
-            </a:r>
-            <a:endParaRPr lang="en-US" dirty="0"/>
           </a:p>
         </p:txBody>
       </p:sp>
@@ -24105,6 +24375,154 @@
     <p:extLst>
       <p:ext uri="{BB962C8B-B14F-4D97-AF65-F5344CB8AC3E}">
         <p14:creationId xmlns:p14="http://schemas.microsoft.com/office/powerpoint/2010/main" val="3437129850"/>
+      </p:ext>
+    </p:extLst>
+  </p:cSld>
+  <p:clrMapOvr>
+    <a:masterClrMapping/>
+  </p:clrMapOvr>
+</p:sld>
+</file>
+
+<file path=ppt/slides/slide20.xml><?xml version="1.0" encoding="utf-8"?>
+<p:sld xmlns:a="http://schemas.openxmlformats.org/drawingml/2006/main" xmlns:r="http://schemas.openxmlformats.org/officeDocument/2006/relationships" xmlns:p="http://schemas.openxmlformats.org/presentationml/2006/main">
+  <p:cSld>
+    <p:spTree>
+      <p:nvGrpSpPr>
+        <p:cNvPr id="1" name=""/>
+        <p:cNvGrpSpPr/>
+        <p:nvPr/>
+      </p:nvGrpSpPr>
+      <p:grpSpPr>
+        <a:xfrm>
+          <a:off x="0" y="0"/>
+          <a:ext cx="0" cy="0"/>
+          <a:chOff x="0" y="0"/>
+          <a:chExt cx="0" cy="0"/>
+        </a:xfrm>
+      </p:grpSpPr>
+      <p:sp>
+        <p:nvSpPr>
+          <p:cNvPr id="2" name="Title 1">
+            <a:extLst>
+              <a:ext uri="{FF2B5EF4-FFF2-40B4-BE49-F238E27FC236}">
+                <a16:creationId xmlns:a16="http://schemas.microsoft.com/office/drawing/2014/main" id="{984F9D56-23D2-32C4-8291-22EE6F5CF0CA}"/>
+              </a:ext>
+            </a:extLst>
+          </p:cNvPr>
+          <p:cNvSpPr>
+            <a:spLocks noGrp="1"/>
+          </p:cNvSpPr>
+          <p:nvPr>
+            <p:ph type="title"/>
+          </p:nvPr>
+        </p:nvSpPr>
+        <p:spPr/>
+        <p:txBody>
+          <a:bodyPr/>
+          <a:lstStyle/>
+          <a:p>
+            <a:r>
+              <a:rPr lang="en-US" dirty="0"/>
+              <a:t>Challenges</a:t>
+            </a:r>
+          </a:p>
+        </p:txBody>
+      </p:sp>
+      <p:sp>
+        <p:nvSpPr>
+          <p:cNvPr id="3" name="Content Placeholder 2">
+            <a:extLst>
+              <a:ext uri="{FF2B5EF4-FFF2-40B4-BE49-F238E27FC236}">
+                <a16:creationId xmlns:a16="http://schemas.microsoft.com/office/drawing/2014/main" id="{6AD46B42-16AC-52FA-AF8D-B2CC3776682A}"/>
+              </a:ext>
+            </a:extLst>
+          </p:cNvPr>
+          <p:cNvSpPr>
+            <a:spLocks noGrp="1"/>
+          </p:cNvSpPr>
+          <p:nvPr>
+            <p:ph idx="1"/>
+          </p:nvPr>
+        </p:nvSpPr>
+        <p:spPr/>
+        <p:txBody>
+          <a:bodyPr/>
+          <a:lstStyle/>
+          <a:p>
+            <a:endParaRPr lang="en-US" dirty="0"/>
+          </a:p>
+        </p:txBody>
+      </p:sp>
+      <p:sp>
+        <p:nvSpPr>
+          <p:cNvPr id="4" name="Slide Number Placeholder 3">
+            <a:extLst>
+              <a:ext uri="{FF2B5EF4-FFF2-40B4-BE49-F238E27FC236}">
+                <a16:creationId xmlns:a16="http://schemas.microsoft.com/office/drawing/2014/main" id="{662F0A86-561A-FF0B-35AE-AD74BABE0FB3}"/>
+              </a:ext>
+            </a:extLst>
+          </p:cNvPr>
+          <p:cNvSpPr>
+            <a:spLocks noGrp="1"/>
+          </p:cNvSpPr>
+          <p:nvPr>
+            <p:ph type="sldNum" sz="quarter" idx="12"/>
+          </p:nvPr>
+        </p:nvSpPr>
+        <p:spPr/>
+        <p:txBody>
+          <a:bodyPr/>
+          <a:lstStyle/>
+          <a:p>
+            <a:fld id="{47A777B1-4A66-48BF-8387-31033AC26DFC}" type="slidenum">
+              <a:rPr lang="en-US" smtClean="0"/>
+              <a:t>20</a:t>
+            </a:fld>
+            <a:endParaRPr lang="en-US"/>
+          </a:p>
+        </p:txBody>
+      </p:sp>
+      <p:sp>
+        <p:nvSpPr>
+          <p:cNvPr id="5" name="TextBox 4">
+            <a:extLst>
+              <a:ext uri="{FF2B5EF4-FFF2-40B4-BE49-F238E27FC236}">
+                <a16:creationId xmlns:a16="http://schemas.microsoft.com/office/drawing/2014/main" id="{AA3BABF7-A663-3F1A-A00D-9A50F1487C2E}"/>
+              </a:ext>
+            </a:extLst>
+          </p:cNvPr>
+          <p:cNvSpPr txBox="1"/>
+          <p:nvPr/>
+        </p:nvSpPr>
+        <p:spPr bwMode="gray">
+          <a:xfrm>
+            <a:off x="0" y="6344667"/>
+            <a:ext cx="6248400" cy="369332"/>
+          </a:xfrm>
+          <a:prstGeom prst="rect">
+            <a:avLst/>
+          </a:prstGeom>
+          <a:noFill/>
+        </p:spPr>
+        <p:txBody>
+          <a:bodyPr wrap="square">
+            <a:spAutoFit/>
+          </a:bodyPr>
+          <a:lstStyle/>
+          <a:p>
+            <a:r>
+              <a:rPr lang="en-US" sz="1800" dirty="0"/>
+              <a:t>Meta-learning in neural networks: A survey.</a:t>
+            </a:r>
+            <a:endParaRPr lang="en-US" dirty="0"/>
+          </a:p>
+        </p:txBody>
+      </p:sp>
+    </p:spTree>
+    <p:extLst>
+      <p:ext uri="{BB962C8B-B14F-4D97-AF65-F5344CB8AC3E}">
+        <p14:creationId xmlns:p14="http://schemas.microsoft.com/office/powerpoint/2010/main" val="2705619616"/>
       </p:ext>
     </p:extLst>
   </p:cSld>
